--- a/PROJECT REPORT.pptx
+++ b/PROJECT REPORT.pptx
@@ -6098,10 +6098,6 @@
               <a:rPr lang="en-US" b="1" dirty="0" smtClean="0"/>
               <a:t>E-LEARNING WITH MAVERICK</a:t>
             </a:r>
-            <a:r>
-              <a:rPr lang="en-US" b="1" dirty="0" smtClean="0"/>
-              <a:t/>
-            </a:r>
             <a:br>
               <a:rPr lang="en-US" b="1" dirty="0" smtClean="0"/>
             </a:br>
@@ -6129,8 +6125,8 @@
         </p:nvSpPr>
         <p:spPr>
           <a:xfrm>
-            <a:off x="476517" y="2255413"/>
-            <a:ext cx="8139447" cy="4261296"/>
+            <a:off x="450760" y="1725769"/>
+            <a:ext cx="8139447" cy="5009882"/>
           </a:xfrm>
         </p:spPr>
         <p:txBody>
@@ -6157,7 +6153,7 @@
                 </a:solidFill>
                 <a:latin typeface="Arial Black" panose="020B0A04020102020204" pitchFamily="34" charset="0"/>
               </a:rPr>
-              <a:t>AGENDA</a:t>
+              <a:t>CONTENT</a:t>
             </a:r>
             <a:endParaRPr lang="en-US" sz="1200" b="1" u="sng" dirty="0" smtClean="0">
               <a:latin typeface="Arial Black" panose="020B0A04020102020204" pitchFamily="34" charset="0"/>
@@ -6289,13 +6285,64 @@
               <a:t>Expected </a:t>
             </a:r>
             <a:r>
-              <a:rPr lang="en-US" sz="1200" b="1" dirty="0">
+              <a:rPr lang="en-US" sz="1200" b="1" dirty="0" smtClean="0">
                 <a:solidFill>
                   <a:schemeClr val="tx1"/>
                 </a:solidFill>
               </a:rPr>
               <a:t>Outcomes</a:t>
             </a:r>
+          </a:p>
+          <a:p>
+            <a:pPr lvl="0"/>
+            <a:r>
+              <a:rPr lang="en-US" sz="1200" b="1" dirty="0" smtClean="0">
+                <a:solidFill>
+                  <a:schemeClr val="tx1"/>
+                </a:solidFill>
+              </a:rPr>
+              <a:t>Challenges</a:t>
+            </a:r>
+          </a:p>
+          <a:p>
+            <a:pPr lvl="0"/>
+            <a:r>
+              <a:rPr lang="en-US" sz="1200" b="1" dirty="0" smtClean="0">
+                <a:solidFill>
+                  <a:schemeClr val="tx1"/>
+                </a:solidFill>
+              </a:rPr>
+              <a:t>Resourceful Links</a:t>
+            </a:r>
+            <a:endParaRPr lang="en-US" sz="1200" b="1" dirty="0" smtClean="0">
+              <a:solidFill>
+                <a:schemeClr val="tx1"/>
+              </a:solidFill>
+            </a:endParaRPr>
+          </a:p>
+          <a:p>
+            <a:pPr lvl="0"/>
+            <a:r>
+              <a:rPr lang="en-US" sz="1200" b="1" dirty="0" smtClean="0">
+                <a:solidFill>
+                  <a:schemeClr val="tx1"/>
+                </a:solidFill>
+              </a:rPr>
+              <a:t>Recommendations </a:t>
+            </a:r>
+            <a:r>
+              <a:rPr lang="en-US" sz="1200" b="1" smtClean="0">
+                <a:solidFill>
+                  <a:schemeClr val="tx1"/>
+                </a:solidFill>
+              </a:rPr>
+              <a:t>and Conclusion</a:t>
+            </a:r>
+            <a:endParaRPr lang="en-US" sz="1200" b="1" dirty="0">
+              <a:solidFill>
+                <a:schemeClr val="tx1"/>
+              </a:solidFill>
+            </a:endParaRPr>
           </a:p>
           <a:p>
             <a:pPr lvl="0"/>
@@ -6391,7 +6438,6 @@
               <a:rPr lang="en-US" dirty="0"/>
               <a:t>Timeline &amp; Milestones</a:t>
             </a:r>
-            <a:endParaRPr lang="en-US" dirty="0"/>
           </a:p>
         </p:txBody>
       </p:sp>
@@ -6553,7 +6599,6 @@
               <a:rPr lang="en-US" dirty="0"/>
               <a:t>Expected Outcomes</a:t>
             </a:r>
-            <a:endParaRPr lang="en-US" dirty="0"/>
           </a:p>
         </p:txBody>
       </p:sp>
@@ -7506,11 +7551,7 @@
           <a:p>
             <a:r>
               <a:rPr lang="en-US" dirty="0" smtClean="0"/>
-              <a:t>THANK </a:t>
-            </a:r>
-            <a:r>
-              <a:rPr lang="en-US" dirty="0" smtClean="0"/>
-              <a:t>YOU!</a:t>
+              <a:t>THANK YOU!</a:t>
             </a:r>
             <a:endParaRPr lang="en-US" dirty="0"/>
           </a:p>
@@ -8109,13 +8150,13 @@
   <p:clrMapOvr>
     <a:masterClrMapping/>
   </p:clrMapOvr>
-  <mc:AlternateContent xmlns:mc="http://schemas.openxmlformats.org/markup-compatibility/2006">
-    <mc:Choice xmlns:p14="http://schemas.microsoft.com/office/powerpoint/2010/main" Requires="p14">
+  <mc:AlternateContent xmlns:mc="http://schemas.openxmlformats.org/markup-compatibility/2006" xmlns:p14="http://schemas.microsoft.com/office/powerpoint/2010/main">
+    <mc:Choice Requires="p14">
       <p:transition spd="slow" p14:dur="1500">
         <p:split orient="vert"/>
       </p:transition>
     </mc:Choice>
-    <mc:Fallback>
+    <mc:Fallback xmlns="">
       <p:transition spd="slow">
         <p:split orient="vert"/>
       </p:transition>
@@ -8179,13 +8220,6 @@
               </a:rPr>
               <a:t>Problem Statement</a:t>
             </a:r>
-            <a:endParaRPr lang="en-US" b="1" dirty="0">
-              <a:solidFill>
-                <a:srgbClr val="92D050"/>
-              </a:solidFill>
-              <a:latin typeface="Times New Roman" panose="02020603050405020304" pitchFamily="18" charset="0"/>
-              <a:ea typeface="Times New Roman" panose="02020603050405020304" pitchFamily="18" charset="0"/>
-            </a:endParaRPr>
           </a:p>
         </p:txBody>
       </p:sp>
@@ -8335,11 +8369,6 @@
               </a:rPr>
               <a:t>Need for centralized, reliable health information platform</a:t>
             </a:r>
-            <a:endParaRPr lang="en-US" dirty="0">
-              <a:latin typeface="Calibri" panose="020F0502020204030204" pitchFamily="34" charset="0"/>
-              <a:ea typeface="Calibri" panose="020F0502020204030204" pitchFamily="34" charset="0"/>
-              <a:cs typeface="Times New Roman" panose="02020603050405020304" pitchFamily="18" charset="0"/>
-            </a:endParaRPr>
           </a:p>
         </p:txBody>
       </p:sp>
@@ -8629,11 +8658,7 @@
             <a:pPr algn="ctr"/>
             <a:r>
               <a:rPr lang="en-US" b="1" dirty="0" smtClean="0"/>
-              <a:t>Key Health </a:t>
-            </a:r>
-            <a:r>
-              <a:rPr lang="en-US" b="1" dirty="0" smtClean="0"/>
-              <a:t>Focus Areas</a:t>
+              <a:t>Key Health Focus Areas</a:t>
             </a:r>
             <a:endParaRPr lang="en-US" b="1" dirty="0"/>
           </a:p>
@@ -9709,7 +9734,6 @@
               <a:rPr lang="en-US" dirty="0"/>
               <a:t>Implementation Strategy</a:t>
             </a:r>
-            <a:endParaRPr lang="en-US" dirty="0"/>
           </a:p>
         </p:txBody>
       </p:sp>
@@ -9860,7 +9884,6 @@
               <a:rPr lang="en-US" dirty="0"/>
               <a:t>Evaluation Metrics</a:t>
             </a:r>
-            <a:endParaRPr lang="en-US" dirty="0"/>
           </a:p>
         </p:txBody>
       </p:sp>
